--- a/lecture-materials/Managment&Governance/aws_managed_grafana/Amazon_Managed_Grafana.pptx
+++ b/lecture-materials/Managment&Governance/aws_managed_grafana/Amazon_Managed_Grafana.pptx
@@ -5,11 +5,13 @@
     <p:sldMasterId id="2147483660" r:id="rId1"/>
   </p:sldMasterIdLst>
   <p:notesMasterIdLst>
-    <p:notesMasterId r:id="rId4"/>
+    <p:notesMasterId r:id="rId6"/>
   </p:notesMasterIdLst>
   <p:sldIdLst>
-    <p:sldId id="256" r:id="rId2"/>
-    <p:sldId id="257" r:id="rId3"/>
+    <p:sldId id="259" r:id="rId2"/>
+    <p:sldId id="256" r:id="rId3"/>
+    <p:sldId id="258" r:id="rId4"/>
+    <p:sldId id="257" r:id="rId5"/>
   </p:sldIdLst>
   <p:sldSz cx="9144000" cy="5143500" type="screen16x9"/>
   <p:notesSz cx="6858000" cy="9144000"/>
@@ -925,7 +927,7 @@
           <a:p>
             <a:fld id="{2FDE5F55-60A5-F542-807C-02E7EF3AFDC3}" type="datetimeFigureOut">
               <a:rPr lang="en-CH" smtClean="0"/>
-              <a:t>03.12.2023</a:t>
+              <a:t>13.01.2024</a:t>
             </a:fld>
             <a:endParaRPr lang="en-CH"/>
           </a:p>
@@ -1135,7 +1137,7 @@
           <a:p>
             <a:fld id="{2FDE5F55-60A5-F542-807C-02E7EF3AFDC3}" type="datetimeFigureOut">
               <a:rPr lang="en-CH" smtClean="0"/>
-              <a:t>03.12.2023</a:t>
+              <a:t>13.01.2024</a:t>
             </a:fld>
             <a:endParaRPr lang="en-CH"/>
           </a:p>
@@ -1355,7 +1357,7 @@
           <a:p>
             <a:fld id="{2FDE5F55-60A5-F542-807C-02E7EF3AFDC3}" type="datetimeFigureOut">
               <a:rPr lang="en-CH" smtClean="0"/>
-              <a:t>03.12.2023</a:t>
+              <a:t>13.01.2024</a:t>
             </a:fld>
             <a:endParaRPr lang="en-CH"/>
           </a:p>
@@ -1932,7 +1934,7 @@
           <a:p>
             <a:fld id="{2FDE5F55-60A5-F542-807C-02E7EF3AFDC3}" type="datetimeFigureOut">
               <a:rPr lang="en-CH" smtClean="0"/>
-              <a:t>03.12.2023</a:t>
+              <a:t>13.01.2024</a:t>
             </a:fld>
             <a:endParaRPr lang="en-CH"/>
           </a:p>
@@ -2218,7 +2220,7 @@
           <a:p>
             <a:fld id="{2FDE5F55-60A5-F542-807C-02E7EF3AFDC3}" type="datetimeFigureOut">
               <a:rPr lang="en-CH" smtClean="0"/>
-              <a:t>03.12.2023</a:t>
+              <a:t>13.01.2024</a:t>
             </a:fld>
             <a:endParaRPr lang="en-CH"/>
           </a:p>
@@ -2496,7 +2498,7 @@
           <a:p>
             <a:fld id="{2FDE5F55-60A5-F542-807C-02E7EF3AFDC3}" type="datetimeFigureOut">
               <a:rPr lang="en-CH" smtClean="0"/>
-              <a:t>03.12.2023</a:t>
+              <a:t>13.01.2024</a:t>
             </a:fld>
             <a:endParaRPr lang="en-CH"/>
           </a:p>
@@ -2921,7 +2923,7 @@
           <a:p>
             <a:fld id="{2FDE5F55-60A5-F542-807C-02E7EF3AFDC3}" type="datetimeFigureOut">
               <a:rPr lang="en-CH" smtClean="0"/>
-              <a:t>03.12.2023</a:t>
+              <a:t>13.01.2024</a:t>
             </a:fld>
             <a:endParaRPr lang="en-CH"/>
           </a:p>
@@ -3073,7 +3075,7 @@
           <a:p>
             <a:fld id="{2FDE5F55-60A5-F542-807C-02E7EF3AFDC3}" type="datetimeFigureOut">
               <a:rPr lang="en-CH" smtClean="0"/>
-              <a:t>03.12.2023</a:t>
+              <a:t>13.01.2024</a:t>
             </a:fld>
             <a:endParaRPr lang="en-CH"/>
           </a:p>
@@ -3196,7 +3198,7 @@
           <a:p>
             <a:fld id="{2FDE5F55-60A5-F542-807C-02E7EF3AFDC3}" type="datetimeFigureOut">
               <a:rPr lang="en-CH" smtClean="0"/>
-              <a:t>03.12.2023</a:t>
+              <a:t>13.01.2024</a:t>
             </a:fld>
             <a:endParaRPr lang="en-CH"/>
           </a:p>
@@ -3518,7 +3520,7 @@
           <a:p>
             <a:fld id="{2FDE5F55-60A5-F542-807C-02E7EF3AFDC3}" type="datetimeFigureOut">
               <a:rPr lang="en-CH" smtClean="0"/>
-              <a:t>03.12.2023</a:t>
+              <a:t>13.01.2024</a:t>
             </a:fld>
             <a:endParaRPr lang="en-CH"/>
           </a:p>
@@ -3817,7 +3819,7 @@
           <a:p>
             <a:fld id="{2FDE5F55-60A5-F542-807C-02E7EF3AFDC3}" type="datetimeFigureOut">
               <a:rPr lang="en-CH" smtClean="0"/>
-              <a:t>03.12.2023</a:t>
+              <a:t>13.01.2024</a:t>
             </a:fld>
             <a:endParaRPr lang="en-CH"/>
           </a:p>
@@ -4070,7 +4072,7 @@
           <a:p>
             <a:fld id="{2FDE5F55-60A5-F542-807C-02E7EF3AFDC3}" type="datetimeFigureOut">
               <a:rPr lang="en-CH" smtClean="0"/>
-              <a:t>03.12.2023</a:t>
+              <a:t>13.01.2024</a:t>
             </a:fld>
             <a:endParaRPr lang="en-CH"/>
           </a:p>
@@ -4494,6 +4496,1669 @@
     </p:bg>
     <p:spTree>
       <p:nvGrpSpPr>
+        <p:cNvPr id="1" name=""/>
+        <p:cNvGrpSpPr/>
+        <p:nvPr/>
+      </p:nvGrpSpPr>
+      <p:grpSpPr>
+        <a:xfrm>
+          <a:off x="0" y="0"/>
+          <a:ext cx="0" cy="0"/>
+          <a:chOff x="0" y="0"/>
+          <a:chExt cx="0" cy="0"/>
+        </a:xfrm>
+      </p:grpSpPr>
+      <p:sp useBgFill="1">
+        <p:nvSpPr>
+          <p:cNvPr id="7" name="Rectangle 6">
+            <a:extLst>
+              <a:ext uri="{FF2B5EF4-FFF2-40B4-BE49-F238E27FC236}">
+                <a16:creationId xmlns:a16="http://schemas.microsoft.com/office/drawing/2014/main" id="{4D24BFD5-D814-402B-B6C4-EEF6AE14B0F2}"/>
+              </a:ext>
+              <a:ext uri="{C183D7F6-B498-43B3-948B-1728B52AA6E4}">
+                <adec:decorative xmlns:adec="http://schemas.microsoft.com/office/drawing/2017/decorative" val="1"/>
+              </a:ext>
+            </a:extLst>
+          </p:cNvPr>
+          <p:cNvSpPr>
+            <a:spLocks noGrp="1" noRot="1" noChangeAspect="1" noMove="1" noResize="1" noEditPoints="1" noAdjustHandles="1" noChangeArrowheads="1" noChangeShapeType="1" noTextEdit="1"/>
+          </p:cNvSpPr>
+          <p:nvPr>
+            <p:extLst>
+              <p:ext uri="{386F3935-93C4-4BCD-93E2-E3B085C9AB24}">
+                <p16:designElem xmlns:p16="http://schemas.microsoft.com/office/powerpoint/2015/main" val="1"/>
+              </p:ext>
+            </p:extLst>
+          </p:nvPr>
+        </p:nvSpPr>
+        <p:spPr>
+          <a:xfrm>
+            <a:off x="0" y="0"/>
+            <a:ext cx="9141714" cy="5143500"/>
+          </a:xfrm>
+          <a:prstGeom prst="rect">
+            <a:avLst/>
+          </a:prstGeom>
+          <a:ln>
+            <a:noFill/>
+          </a:ln>
+        </p:spPr>
+        <p:style>
+          <a:lnRef idx="2">
+            <a:schemeClr val="accent1">
+              <a:shade val="50000"/>
+            </a:schemeClr>
+          </a:lnRef>
+          <a:fillRef idx="1">
+            <a:schemeClr val="accent1"/>
+          </a:fillRef>
+          <a:effectRef idx="0">
+            <a:schemeClr val="accent1"/>
+          </a:effectRef>
+          <a:fontRef idx="minor">
+            <a:schemeClr val="lt1"/>
+          </a:fontRef>
+        </p:style>
+        <p:txBody>
+          <a:bodyPr rtlCol="0" anchor="ctr"/>
+          <a:lstStyle/>
+          <a:p>
+            <a:pPr algn="ctr"/>
+            <a:endParaRPr lang="en-US"/>
+          </a:p>
+        </p:txBody>
+      </p:sp>
+      <p:sp>
+        <p:nvSpPr>
+          <p:cNvPr id="2" name="Title 1">
+            <a:extLst>
+              <a:ext uri="{FF2B5EF4-FFF2-40B4-BE49-F238E27FC236}">
+                <a16:creationId xmlns:a16="http://schemas.microsoft.com/office/drawing/2014/main" id="{995F00A0-E801-8528-87B3-8AA67A18AA3E}"/>
+              </a:ext>
+            </a:extLst>
+          </p:cNvPr>
+          <p:cNvSpPr>
+            <a:spLocks noGrp="1"/>
+          </p:cNvSpPr>
+          <p:nvPr>
+            <p:ph type="ctrTitle"/>
+          </p:nvPr>
+        </p:nvSpPr>
+        <p:spPr>
+          <a:xfrm>
+            <a:off x="628650" y="841771"/>
+            <a:ext cx="4711446" cy="3101578"/>
+          </a:xfrm>
+        </p:spPr>
+        <p:txBody>
+          <a:bodyPr>
+            <a:normAutofit/>
+          </a:bodyPr>
+          <a:lstStyle/>
+          <a:p>
+            <a:pPr algn="l"/>
+            <a:r>
+              <a:rPr lang="en-CH" sz="5000"/>
+              <a:t>AWS Grafana</a:t>
+            </a:r>
+          </a:p>
+        </p:txBody>
+      </p:sp>
+      <p:sp>
+        <p:nvSpPr>
+          <p:cNvPr id="9" name="Rectangle 10">
+            <a:extLst>
+              <a:ext uri="{FF2B5EF4-FFF2-40B4-BE49-F238E27FC236}">
+                <a16:creationId xmlns:a16="http://schemas.microsoft.com/office/drawing/2014/main" id="{36FED7E8-9A97-475F-9FA4-113410D4433B}"/>
+              </a:ext>
+              <a:ext uri="{C183D7F6-B498-43B3-948B-1728B52AA6E4}">
+                <adec:decorative xmlns:adec="http://schemas.microsoft.com/office/drawing/2017/decorative" val="1"/>
+              </a:ext>
+            </a:extLst>
+          </p:cNvPr>
+          <p:cNvSpPr>
+            <a:spLocks noGrp="1" noRot="1" noChangeAspect="1" noMove="1" noResize="1" noEditPoints="1" noAdjustHandles="1" noChangeArrowheads="1" noChangeShapeType="1" noTextEdit="1"/>
+          </p:cNvSpPr>
+          <p:nvPr>
+            <p:extLst>
+              <p:ext uri="{386F3935-93C4-4BCD-93E2-E3B085C9AB24}">
+                <p16:designElem xmlns:p16="http://schemas.microsoft.com/office/powerpoint/2015/main" val="1"/>
+              </p:ext>
+            </p:extLst>
+          </p:nvPr>
+        </p:nvSpPr>
+        <p:spPr>
+          <a:xfrm>
+            <a:off x="5779604" y="773463"/>
+            <a:ext cx="2735746" cy="3327094"/>
+          </a:xfrm>
+          <a:custGeom>
+            <a:avLst/>
+            <a:gdLst>
+              <a:gd name="connsiteX0" fmla="*/ 0 w 2735746"/>
+              <a:gd name="connsiteY0" fmla="*/ 0 h 3327094"/>
+              <a:gd name="connsiteX1" fmla="*/ 738651 w 2735746"/>
+              <a:gd name="connsiteY1" fmla="*/ 0 h 3327094"/>
+              <a:gd name="connsiteX2" fmla="*/ 1395230 w 2735746"/>
+              <a:gd name="connsiteY2" fmla="*/ 0 h 3327094"/>
+              <a:gd name="connsiteX3" fmla="*/ 2133882 w 2735746"/>
+              <a:gd name="connsiteY3" fmla="*/ 0 h 3327094"/>
+              <a:gd name="connsiteX4" fmla="*/ 2735746 w 2735746"/>
+              <a:gd name="connsiteY4" fmla="*/ 0 h 3327094"/>
+              <a:gd name="connsiteX5" fmla="*/ 2735746 w 2735746"/>
+              <a:gd name="connsiteY5" fmla="*/ 698690 h 3327094"/>
+              <a:gd name="connsiteX6" fmla="*/ 2735746 w 2735746"/>
+              <a:gd name="connsiteY6" fmla="*/ 1397379 h 3327094"/>
+              <a:gd name="connsiteX7" fmla="*/ 2735746 w 2735746"/>
+              <a:gd name="connsiteY7" fmla="*/ 1996256 h 3327094"/>
+              <a:gd name="connsiteX8" fmla="*/ 2735746 w 2735746"/>
+              <a:gd name="connsiteY8" fmla="*/ 2694946 h 3327094"/>
+              <a:gd name="connsiteX9" fmla="*/ 2735746 w 2735746"/>
+              <a:gd name="connsiteY9" fmla="*/ 3327094 h 3327094"/>
+              <a:gd name="connsiteX10" fmla="*/ 2024452 w 2735746"/>
+              <a:gd name="connsiteY10" fmla="*/ 3327094 h 3327094"/>
+              <a:gd name="connsiteX11" fmla="*/ 1395230 w 2735746"/>
+              <a:gd name="connsiteY11" fmla="*/ 3327094 h 3327094"/>
+              <a:gd name="connsiteX12" fmla="*/ 656579 w 2735746"/>
+              <a:gd name="connsiteY12" fmla="*/ 3327094 h 3327094"/>
+              <a:gd name="connsiteX13" fmla="*/ 0 w 2735746"/>
+              <a:gd name="connsiteY13" fmla="*/ 3327094 h 3327094"/>
+              <a:gd name="connsiteX14" fmla="*/ 0 w 2735746"/>
+              <a:gd name="connsiteY14" fmla="*/ 2661675 h 3327094"/>
+              <a:gd name="connsiteX15" fmla="*/ 0 w 2735746"/>
+              <a:gd name="connsiteY15" fmla="*/ 1996256 h 3327094"/>
+              <a:gd name="connsiteX16" fmla="*/ 0 w 2735746"/>
+              <a:gd name="connsiteY16" fmla="*/ 1364109 h 3327094"/>
+              <a:gd name="connsiteX17" fmla="*/ 0 w 2735746"/>
+              <a:gd name="connsiteY17" fmla="*/ 665419 h 3327094"/>
+              <a:gd name="connsiteX18" fmla="*/ 0 w 2735746"/>
+              <a:gd name="connsiteY18" fmla="*/ 0 h 3327094"/>
+              <a:gd name="connsiteX0" fmla="*/ 0 w 2735746"/>
+              <a:gd name="connsiteY0" fmla="*/ 0 h 3327094"/>
+              <a:gd name="connsiteX1" fmla="*/ 629222 w 2735746"/>
+              <a:gd name="connsiteY1" fmla="*/ 0 h 3327094"/>
+              <a:gd name="connsiteX2" fmla="*/ 1258443 w 2735746"/>
+              <a:gd name="connsiteY2" fmla="*/ 0 h 3327094"/>
+              <a:gd name="connsiteX3" fmla="*/ 1942380 w 2735746"/>
+              <a:gd name="connsiteY3" fmla="*/ 0 h 3327094"/>
+              <a:gd name="connsiteX4" fmla="*/ 2735746 w 2735746"/>
+              <a:gd name="connsiteY4" fmla="*/ 0 h 3327094"/>
+              <a:gd name="connsiteX5" fmla="*/ 2735746 w 2735746"/>
+              <a:gd name="connsiteY5" fmla="*/ 632148 h 3327094"/>
+              <a:gd name="connsiteX6" fmla="*/ 2735746 w 2735746"/>
+              <a:gd name="connsiteY6" fmla="*/ 1197754 h 3327094"/>
+              <a:gd name="connsiteX7" fmla="*/ 2735746 w 2735746"/>
+              <a:gd name="connsiteY7" fmla="*/ 1929715 h 3327094"/>
+              <a:gd name="connsiteX8" fmla="*/ 2735746 w 2735746"/>
+              <a:gd name="connsiteY8" fmla="*/ 2561862 h 3327094"/>
+              <a:gd name="connsiteX9" fmla="*/ 2735746 w 2735746"/>
+              <a:gd name="connsiteY9" fmla="*/ 3327094 h 3327094"/>
+              <a:gd name="connsiteX10" fmla="*/ 2051810 w 2735746"/>
+              <a:gd name="connsiteY10" fmla="*/ 3327094 h 3327094"/>
+              <a:gd name="connsiteX11" fmla="*/ 1313158 w 2735746"/>
+              <a:gd name="connsiteY11" fmla="*/ 3327094 h 3327094"/>
+              <a:gd name="connsiteX12" fmla="*/ 656579 w 2735746"/>
+              <a:gd name="connsiteY12" fmla="*/ 3327094 h 3327094"/>
+              <a:gd name="connsiteX13" fmla="*/ 0 w 2735746"/>
+              <a:gd name="connsiteY13" fmla="*/ 3327094 h 3327094"/>
+              <a:gd name="connsiteX14" fmla="*/ 0 w 2735746"/>
+              <a:gd name="connsiteY14" fmla="*/ 2761488 h 3327094"/>
+              <a:gd name="connsiteX15" fmla="*/ 0 w 2735746"/>
+              <a:gd name="connsiteY15" fmla="*/ 2129340 h 3327094"/>
+              <a:gd name="connsiteX16" fmla="*/ 0 w 2735746"/>
+              <a:gd name="connsiteY16" fmla="*/ 1530463 h 3327094"/>
+              <a:gd name="connsiteX17" fmla="*/ 0 w 2735746"/>
+              <a:gd name="connsiteY17" fmla="*/ 898315 h 3327094"/>
+              <a:gd name="connsiteX18" fmla="*/ 0 w 2735746"/>
+              <a:gd name="connsiteY18" fmla="*/ 0 h 3327094"/>
+            </a:gdLst>
+            <a:ahLst/>
+            <a:cxnLst>
+              <a:cxn ang="0">
+                <a:pos x="connsiteX0" y="connsiteY0"/>
+              </a:cxn>
+              <a:cxn ang="0">
+                <a:pos x="connsiteX1" y="connsiteY1"/>
+              </a:cxn>
+              <a:cxn ang="0">
+                <a:pos x="connsiteX2" y="connsiteY2"/>
+              </a:cxn>
+              <a:cxn ang="0">
+                <a:pos x="connsiteX3" y="connsiteY3"/>
+              </a:cxn>
+              <a:cxn ang="0">
+                <a:pos x="connsiteX4" y="connsiteY4"/>
+              </a:cxn>
+              <a:cxn ang="0">
+                <a:pos x="connsiteX5" y="connsiteY5"/>
+              </a:cxn>
+              <a:cxn ang="0">
+                <a:pos x="connsiteX6" y="connsiteY6"/>
+              </a:cxn>
+              <a:cxn ang="0">
+                <a:pos x="connsiteX7" y="connsiteY7"/>
+              </a:cxn>
+              <a:cxn ang="0">
+                <a:pos x="connsiteX8" y="connsiteY8"/>
+              </a:cxn>
+              <a:cxn ang="0">
+                <a:pos x="connsiteX9" y="connsiteY9"/>
+              </a:cxn>
+              <a:cxn ang="0">
+                <a:pos x="connsiteX10" y="connsiteY10"/>
+              </a:cxn>
+              <a:cxn ang="0">
+                <a:pos x="connsiteX11" y="connsiteY11"/>
+              </a:cxn>
+              <a:cxn ang="0">
+                <a:pos x="connsiteX12" y="connsiteY12"/>
+              </a:cxn>
+              <a:cxn ang="0">
+                <a:pos x="connsiteX13" y="connsiteY13"/>
+              </a:cxn>
+              <a:cxn ang="0">
+                <a:pos x="connsiteX14" y="connsiteY14"/>
+              </a:cxn>
+              <a:cxn ang="0">
+                <a:pos x="connsiteX15" y="connsiteY15"/>
+              </a:cxn>
+              <a:cxn ang="0">
+                <a:pos x="connsiteX16" y="connsiteY16"/>
+              </a:cxn>
+              <a:cxn ang="0">
+                <a:pos x="connsiteX17" y="connsiteY17"/>
+              </a:cxn>
+              <a:cxn ang="0">
+                <a:pos x="connsiteX18" y="connsiteY18"/>
+              </a:cxn>
+            </a:cxnLst>
+            <a:rect l="l" t="t" r="r" b="b"/>
+            <a:pathLst>
+              <a:path w="2735746" h="3327094" fill="none" extrusionOk="0">
+                <a:moveTo>
+                  <a:pt x="0" y="0"/>
+                </a:moveTo>
+                <a:cubicBezTo>
+                  <a:pt x="367433" y="3031"/>
+                  <a:pt x="471741" y="-3356"/>
+                  <a:pt x="738651" y="0"/>
+                </a:cubicBezTo>
+                <a:cubicBezTo>
+                  <a:pt x="1027138" y="-16432"/>
+                  <a:pt x="1133551" y="4841"/>
+                  <a:pt x="1395230" y="0"/>
+                </a:cubicBezTo>
+                <a:cubicBezTo>
+                  <a:pt x="1691513" y="9563"/>
+                  <a:pt x="1993620" y="13876"/>
+                  <a:pt x="2133882" y="0"/>
+                </a:cubicBezTo>
+                <a:cubicBezTo>
+                  <a:pt x="2249216" y="-38411"/>
+                  <a:pt x="2563618" y="-21107"/>
+                  <a:pt x="2735746" y="0"/>
+                </a:cubicBezTo>
+                <a:cubicBezTo>
+                  <a:pt x="2698390" y="370671"/>
+                  <a:pt x="2727535" y="526489"/>
+                  <a:pt x="2735746" y="698690"/>
+                </a:cubicBezTo>
+                <a:cubicBezTo>
+                  <a:pt x="2753909" y="886082"/>
+                  <a:pt x="2763361" y="1197961"/>
+                  <a:pt x="2735746" y="1397379"/>
+                </a:cubicBezTo>
+                <a:cubicBezTo>
+                  <a:pt x="2740743" y="1566566"/>
+                  <a:pt x="2734036" y="1825444"/>
+                  <a:pt x="2735746" y="1996256"/>
+                </a:cubicBezTo>
+                <a:cubicBezTo>
+                  <a:pt x="2723076" y="2181321"/>
+                  <a:pt x="2702093" y="2510293"/>
+                  <a:pt x="2735746" y="2694946"/>
+                </a:cubicBezTo>
+                <a:cubicBezTo>
+                  <a:pt x="2798955" y="2846071"/>
+                  <a:pt x="2720273" y="3150518"/>
+                  <a:pt x="2735746" y="3327094"/>
+                </a:cubicBezTo>
+                <a:cubicBezTo>
+                  <a:pt x="2601071" y="3318798"/>
+                  <a:pt x="2191262" y="3313751"/>
+                  <a:pt x="2024452" y="3327094"/>
+                </a:cubicBezTo>
+                <a:cubicBezTo>
+                  <a:pt x="1811394" y="3338811"/>
+                  <a:pt x="1517276" y="3280525"/>
+                  <a:pt x="1395230" y="3327094"/>
+                </a:cubicBezTo>
+                <a:cubicBezTo>
+                  <a:pt x="1295489" y="3372447"/>
+                  <a:pt x="897860" y="3351496"/>
+                  <a:pt x="656579" y="3327094"/>
+                </a:cubicBezTo>
+                <a:cubicBezTo>
+                  <a:pt x="388506" y="3326509"/>
+                  <a:pt x="225372" y="3296313"/>
+                  <a:pt x="0" y="3327094"/>
+                </a:cubicBezTo>
+                <a:cubicBezTo>
+                  <a:pt x="-27683" y="3133062"/>
+                  <a:pt x="39081" y="2971421"/>
+                  <a:pt x="0" y="2661675"/>
+                </a:cubicBezTo>
+                <a:cubicBezTo>
+                  <a:pt x="-48523" y="2345700"/>
+                  <a:pt x="33504" y="2166811"/>
+                  <a:pt x="0" y="1996256"/>
+                </a:cubicBezTo>
+                <a:cubicBezTo>
+                  <a:pt x="-1007" y="1775989"/>
+                  <a:pt x="-4754" y="1592204"/>
+                  <a:pt x="0" y="1364109"/>
+                </a:cubicBezTo>
+                <a:cubicBezTo>
+                  <a:pt x="-27188" y="1139085"/>
+                  <a:pt x="45389" y="982964"/>
+                  <a:pt x="0" y="665419"/>
+                </a:cubicBezTo>
+                <a:cubicBezTo>
+                  <a:pt x="-23594" y="357519"/>
+                  <a:pt x="-9561" y="288729"/>
+                  <a:pt x="0" y="0"/>
+                </a:cubicBezTo>
+                <a:close/>
+              </a:path>
+              <a:path w="2735746" h="3327094" stroke="0" extrusionOk="0">
+                <a:moveTo>
+                  <a:pt x="0" y="0"/>
+                </a:moveTo>
+                <a:cubicBezTo>
+                  <a:pt x="193426" y="29049"/>
+                  <a:pt x="383301" y="-66862"/>
+                  <a:pt x="629222" y="0"/>
+                </a:cubicBezTo>
+                <a:cubicBezTo>
+                  <a:pt x="896349" y="39588"/>
+                  <a:pt x="1004412" y="-30408"/>
+                  <a:pt x="1258443" y="0"/>
+                </a:cubicBezTo>
+                <a:cubicBezTo>
+                  <a:pt x="1496439" y="45735"/>
+                  <a:pt x="1752341" y="-39849"/>
+                  <a:pt x="1942380" y="0"/>
+                </a:cubicBezTo>
+                <a:cubicBezTo>
+                  <a:pt x="2096192" y="57331"/>
+                  <a:pt x="2492509" y="-27272"/>
+                  <a:pt x="2735746" y="0"/>
+                </a:cubicBezTo>
+                <a:cubicBezTo>
+                  <a:pt x="2748198" y="312461"/>
+                  <a:pt x="2763066" y="399519"/>
+                  <a:pt x="2735746" y="632148"/>
+                </a:cubicBezTo>
+                <a:cubicBezTo>
+                  <a:pt x="2702541" y="861912"/>
+                  <a:pt x="2708961" y="1016861"/>
+                  <a:pt x="2735746" y="1197754"/>
+                </a:cubicBezTo>
+                <a:cubicBezTo>
+                  <a:pt x="2670801" y="1389417"/>
+                  <a:pt x="2678708" y="1627366"/>
+                  <a:pt x="2735746" y="1929715"/>
+                </a:cubicBezTo>
+                <a:cubicBezTo>
+                  <a:pt x="2757178" y="2242413"/>
+                  <a:pt x="2692243" y="2437153"/>
+                  <a:pt x="2735746" y="2561862"/>
+                </a:cubicBezTo>
+                <a:cubicBezTo>
+                  <a:pt x="2716071" y="2655274"/>
+                  <a:pt x="2765405" y="3158622"/>
+                  <a:pt x="2735746" y="3327094"/>
+                </a:cubicBezTo>
+                <a:cubicBezTo>
+                  <a:pt x="2558254" y="3372207"/>
+                  <a:pt x="2323636" y="3344163"/>
+                  <a:pt x="2051810" y="3327094"/>
+                </a:cubicBezTo>
+                <a:cubicBezTo>
+                  <a:pt x="1747990" y="3302475"/>
+                  <a:pt x="1595736" y="3337540"/>
+                  <a:pt x="1313158" y="3327094"/>
+                </a:cubicBezTo>
+                <a:cubicBezTo>
+                  <a:pt x="1042691" y="3290900"/>
+                  <a:pt x="905939" y="3304762"/>
+                  <a:pt x="656579" y="3327094"/>
+                </a:cubicBezTo>
+                <a:cubicBezTo>
+                  <a:pt x="388748" y="3345617"/>
+                  <a:pt x="233267" y="3318555"/>
+                  <a:pt x="0" y="3327094"/>
+                </a:cubicBezTo>
+                <a:cubicBezTo>
+                  <a:pt x="-34187" y="3153903"/>
+                  <a:pt x="14594" y="2947343"/>
+                  <a:pt x="0" y="2761488"/>
+                </a:cubicBezTo>
+                <a:cubicBezTo>
+                  <a:pt x="-3060" y="2561373"/>
+                  <a:pt x="-24376" y="2243074"/>
+                  <a:pt x="0" y="2129340"/>
+                </a:cubicBezTo>
+                <a:cubicBezTo>
+                  <a:pt x="8765" y="1981683"/>
+                  <a:pt x="-28620" y="1705382"/>
+                  <a:pt x="0" y="1530463"/>
+                </a:cubicBezTo>
+                <a:cubicBezTo>
+                  <a:pt x="7244" y="1343799"/>
+                  <a:pt x="-6803" y="1021541"/>
+                  <a:pt x="0" y="898315"/>
+                </a:cubicBezTo>
+                <a:cubicBezTo>
+                  <a:pt x="-61453" y="735173"/>
+                  <a:pt x="16750" y="415337"/>
+                  <a:pt x="0" y="0"/>
+                </a:cubicBezTo>
+                <a:close/>
+              </a:path>
+              <a:path w="2735746" h="3327094" fill="none" stroke="0" extrusionOk="0">
+                <a:moveTo>
+                  <a:pt x="0" y="0"/>
+                </a:moveTo>
+                <a:cubicBezTo>
+                  <a:pt x="353475" y="25866"/>
+                  <a:pt x="445172" y="16184"/>
+                  <a:pt x="738651" y="0"/>
+                </a:cubicBezTo>
+                <a:cubicBezTo>
+                  <a:pt x="1011198" y="-10140"/>
+                  <a:pt x="1111823" y="-34829"/>
+                  <a:pt x="1395230" y="0"/>
+                </a:cubicBezTo>
+                <a:cubicBezTo>
+                  <a:pt x="1648176" y="43947"/>
+                  <a:pt x="1975172" y="28098"/>
+                  <a:pt x="2133882" y="0"/>
+                </a:cubicBezTo>
+                <a:cubicBezTo>
+                  <a:pt x="2325391" y="-8269"/>
+                  <a:pt x="2548000" y="-58776"/>
+                  <a:pt x="2735746" y="0"/>
+                </a:cubicBezTo>
+                <a:cubicBezTo>
+                  <a:pt x="2713348" y="328905"/>
+                  <a:pt x="2756474" y="527151"/>
+                  <a:pt x="2735746" y="698690"/>
+                </a:cubicBezTo>
+                <a:cubicBezTo>
+                  <a:pt x="2724931" y="895498"/>
+                  <a:pt x="2744205" y="1207296"/>
+                  <a:pt x="2735746" y="1397379"/>
+                </a:cubicBezTo>
+                <a:cubicBezTo>
+                  <a:pt x="2730404" y="1595019"/>
+                  <a:pt x="2725696" y="1814531"/>
+                  <a:pt x="2735746" y="1996256"/>
+                </a:cubicBezTo>
+                <a:cubicBezTo>
+                  <a:pt x="2749060" y="2190753"/>
+                  <a:pt x="2685043" y="2547649"/>
+                  <a:pt x="2735746" y="2694946"/>
+                </a:cubicBezTo>
+                <a:cubicBezTo>
+                  <a:pt x="2758265" y="2819189"/>
+                  <a:pt x="2705132" y="3164191"/>
+                  <a:pt x="2735746" y="3327094"/>
+                </a:cubicBezTo>
+                <a:cubicBezTo>
+                  <a:pt x="2561595" y="3338528"/>
+                  <a:pt x="2187648" y="3316493"/>
+                  <a:pt x="2024452" y="3327094"/>
+                </a:cubicBezTo>
+                <a:cubicBezTo>
+                  <a:pt x="1844211" y="3347848"/>
+                  <a:pt x="1522676" y="3319864"/>
+                  <a:pt x="1395230" y="3327094"/>
+                </a:cubicBezTo>
+                <a:cubicBezTo>
+                  <a:pt x="1247960" y="3345581"/>
+                  <a:pt x="908044" y="3317621"/>
+                  <a:pt x="656579" y="3327094"/>
+                </a:cubicBezTo>
+                <a:cubicBezTo>
+                  <a:pt x="425301" y="3311924"/>
+                  <a:pt x="221694" y="3304012"/>
+                  <a:pt x="0" y="3327094"/>
+                </a:cubicBezTo>
+                <a:cubicBezTo>
+                  <a:pt x="-22485" y="3155569"/>
+                  <a:pt x="41251" y="2961303"/>
+                  <a:pt x="0" y="2661675"/>
+                </a:cubicBezTo>
+                <a:cubicBezTo>
+                  <a:pt x="5523" y="2329146"/>
+                  <a:pt x="36746" y="2183992"/>
+                  <a:pt x="0" y="1996256"/>
+                </a:cubicBezTo>
+                <a:cubicBezTo>
+                  <a:pt x="-30463" y="1821444"/>
+                  <a:pt x="-31581" y="1620267"/>
+                  <a:pt x="0" y="1364109"/>
+                </a:cubicBezTo>
+                <a:cubicBezTo>
+                  <a:pt x="-21840" y="1161197"/>
+                  <a:pt x="38692" y="1001552"/>
+                  <a:pt x="0" y="665419"/>
+                </a:cubicBezTo>
+                <a:cubicBezTo>
+                  <a:pt x="-21102" y="341995"/>
+                  <a:pt x="7063" y="278627"/>
+                  <a:pt x="0" y="0"/>
+                </a:cubicBezTo>
+                <a:close/>
+              </a:path>
+            </a:pathLst>
+          </a:custGeom>
+          <a:solidFill>
+            <a:schemeClr val="accent2"/>
+          </a:solidFill>
+          <a:ln w="57150">
+            <a:solidFill>
+              <a:schemeClr val="accent2"/>
+            </a:solidFill>
+            <a:extLst>
+              <a:ext uri="{C807C97D-BFC1-408E-A445-0C87EB9F89A2}">
+                <ask:lineSketchStyleProps xmlns:ask="http://schemas.microsoft.com/office/drawing/2018/sketchyshapes" sd="687283399">
+                  <a:custGeom>
+                    <a:avLst/>
+                    <a:gdLst>
+                      <a:gd name="connsiteX0" fmla="*/ 0 w 2735746"/>
+                      <a:gd name="connsiteY0" fmla="*/ 0 h 3327094"/>
+                      <a:gd name="connsiteX1" fmla="*/ 738651 w 2735746"/>
+                      <a:gd name="connsiteY1" fmla="*/ 0 h 3327094"/>
+                      <a:gd name="connsiteX2" fmla="*/ 1395230 w 2735746"/>
+                      <a:gd name="connsiteY2" fmla="*/ 0 h 3327094"/>
+                      <a:gd name="connsiteX3" fmla="*/ 2133882 w 2735746"/>
+                      <a:gd name="connsiteY3" fmla="*/ 0 h 3327094"/>
+                      <a:gd name="connsiteX4" fmla="*/ 2735746 w 2735746"/>
+                      <a:gd name="connsiteY4" fmla="*/ 0 h 3327094"/>
+                      <a:gd name="connsiteX5" fmla="*/ 2735746 w 2735746"/>
+                      <a:gd name="connsiteY5" fmla="*/ 698690 h 3327094"/>
+                      <a:gd name="connsiteX6" fmla="*/ 2735746 w 2735746"/>
+                      <a:gd name="connsiteY6" fmla="*/ 1397379 h 3327094"/>
+                      <a:gd name="connsiteX7" fmla="*/ 2735746 w 2735746"/>
+                      <a:gd name="connsiteY7" fmla="*/ 1996256 h 3327094"/>
+                      <a:gd name="connsiteX8" fmla="*/ 2735746 w 2735746"/>
+                      <a:gd name="connsiteY8" fmla="*/ 2694946 h 3327094"/>
+                      <a:gd name="connsiteX9" fmla="*/ 2735746 w 2735746"/>
+                      <a:gd name="connsiteY9" fmla="*/ 3327094 h 3327094"/>
+                      <a:gd name="connsiteX10" fmla="*/ 2024452 w 2735746"/>
+                      <a:gd name="connsiteY10" fmla="*/ 3327094 h 3327094"/>
+                      <a:gd name="connsiteX11" fmla="*/ 1395230 w 2735746"/>
+                      <a:gd name="connsiteY11" fmla="*/ 3327094 h 3327094"/>
+                      <a:gd name="connsiteX12" fmla="*/ 656579 w 2735746"/>
+                      <a:gd name="connsiteY12" fmla="*/ 3327094 h 3327094"/>
+                      <a:gd name="connsiteX13" fmla="*/ 0 w 2735746"/>
+                      <a:gd name="connsiteY13" fmla="*/ 3327094 h 3327094"/>
+                      <a:gd name="connsiteX14" fmla="*/ 0 w 2735746"/>
+                      <a:gd name="connsiteY14" fmla="*/ 2661675 h 3327094"/>
+                      <a:gd name="connsiteX15" fmla="*/ 0 w 2735746"/>
+                      <a:gd name="connsiteY15" fmla="*/ 1996256 h 3327094"/>
+                      <a:gd name="connsiteX16" fmla="*/ 0 w 2735746"/>
+                      <a:gd name="connsiteY16" fmla="*/ 1364109 h 3327094"/>
+                      <a:gd name="connsiteX17" fmla="*/ 0 w 2735746"/>
+                      <a:gd name="connsiteY17" fmla="*/ 665419 h 3327094"/>
+                      <a:gd name="connsiteX18" fmla="*/ 0 w 2735746"/>
+                      <a:gd name="connsiteY18" fmla="*/ 0 h 3327094"/>
+                    </a:gdLst>
+                    <a:ahLst/>
+                    <a:cxnLst>
+                      <a:cxn ang="0">
+                        <a:pos x="connsiteX0" y="connsiteY0"/>
+                      </a:cxn>
+                      <a:cxn ang="0">
+                        <a:pos x="connsiteX1" y="connsiteY1"/>
+                      </a:cxn>
+                      <a:cxn ang="0">
+                        <a:pos x="connsiteX2" y="connsiteY2"/>
+                      </a:cxn>
+                      <a:cxn ang="0">
+                        <a:pos x="connsiteX3" y="connsiteY3"/>
+                      </a:cxn>
+                      <a:cxn ang="0">
+                        <a:pos x="connsiteX4" y="connsiteY4"/>
+                      </a:cxn>
+                      <a:cxn ang="0">
+                        <a:pos x="connsiteX5" y="connsiteY5"/>
+                      </a:cxn>
+                      <a:cxn ang="0">
+                        <a:pos x="connsiteX6" y="connsiteY6"/>
+                      </a:cxn>
+                      <a:cxn ang="0">
+                        <a:pos x="connsiteX7" y="connsiteY7"/>
+                      </a:cxn>
+                      <a:cxn ang="0">
+                        <a:pos x="connsiteX8" y="connsiteY8"/>
+                      </a:cxn>
+                      <a:cxn ang="0">
+                        <a:pos x="connsiteX9" y="connsiteY9"/>
+                      </a:cxn>
+                      <a:cxn ang="0">
+                        <a:pos x="connsiteX10" y="connsiteY10"/>
+                      </a:cxn>
+                      <a:cxn ang="0">
+                        <a:pos x="connsiteX11" y="connsiteY11"/>
+                      </a:cxn>
+                      <a:cxn ang="0">
+                        <a:pos x="connsiteX12" y="connsiteY12"/>
+                      </a:cxn>
+                      <a:cxn ang="0">
+                        <a:pos x="connsiteX13" y="connsiteY13"/>
+                      </a:cxn>
+                      <a:cxn ang="0">
+                        <a:pos x="connsiteX14" y="connsiteY14"/>
+                      </a:cxn>
+                      <a:cxn ang="0">
+                        <a:pos x="connsiteX15" y="connsiteY15"/>
+                      </a:cxn>
+                      <a:cxn ang="0">
+                        <a:pos x="connsiteX16" y="connsiteY16"/>
+                      </a:cxn>
+                      <a:cxn ang="0">
+                        <a:pos x="connsiteX17" y="connsiteY17"/>
+                      </a:cxn>
+                      <a:cxn ang="0">
+                        <a:pos x="connsiteX18" y="connsiteY18"/>
+                      </a:cxn>
+                    </a:cxnLst>
+                    <a:rect l="l" t="t" r="r" b="b"/>
+                    <a:pathLst>
+                      <a:path w="2735746" h="3327094" fill="none" extrusionOk="0">
+                        <a:moveTo>
+                          <a:pt x="0" y="0"/>
+                        </a:moveTo>
+                        <a:cubicBezTo>
+                          <a:pt x="360763" y="8596"/>
+                          <a:pt x="472427" y="22790"/>
+                          <a:pt x="738651" y="0"/>
+                        </a:cubicBezTo>
+                        <a:cubicBezTo>
+                          <a:pt x="1004875" y="-22790"/>
+                          <a:pt x="1129396" y="-10867"/>
+                          <a:pt x="1395230" y="0"/>
+                        </a:cubicBezTo>
+                        <a:cubicBezTo>
+                          <a:pt x="1661064" y="10867"/>
+                          <a:pt x="1983593" y="16451"/>
+                          <a:pt x="2133882" y="0"/>
+                        </a:cubicBezTo>
+                        <a:cubicBezTo>
+                          <a:pt x="2284171" y="-16451"/>
+                          <a:pt x="2551186" y="-20670"/>
+                          <a:pt x="2735746" y="0"/>
+                        </a:cubicBezTo>
+                        <a:cubicBezTo>
+                          <a:pt x="2725651" y="343886"/>
+                          <a:pt x="2724779" y="529423"/>
+                          <a:pt x="2735746" y="698690"/>
+                        </a:cubicBezTo>
+                        <a:cubicBezTo>
+                          <a:pt x="2746714" y="867957"/>
+                          <a:pt x="2748327" y="1195517"/>
+                          <a:pt x="2735746" y="1397379"/>
+                        </a:cubicBezTo>
+                        <a:cubicBezTo>
+                          <a:pt x="2723165" y="1599241"/>
+                          <a:pt x="2731982" y="1800581"/>
+                          <a:pt x="2735746" y="1996256"/>
+                        </a:cubicBezTo>
+                        <a:cubicBezTo>
+                          <a:pt x="2739510" y="2191931"/>
+                          <a:pt x="2708076" y="2536990"/>
+                          <a:pt x="2735746" y="2694946"/>
+                        </a:cubicBezTo>
+                        <a:cubicBezTo>
+                          <a:pt x="2763417" y="2852902"/>
+                          <a:pt x="2735978" y="3170915"/>
+                          <a:pt x="2735746" y="3327094"/>
+                        </a:cubicBezTo>
+                        <a:cubicBezTo>
+                          <a:pt x="2558096" y="3327781"/>
+                          <a:pt x="2210426" y="3316912"/>
+                          <a:pt x="2024452" y="3327094"/>
+                        </a:cubicBezTo>
+                        <a:cubicBezTo>
+                          <a:pt x="1838478" y="3337276"/>
+                          <a:pt x="1544331" y="3299508"/>
+                          <a:pt x="1395230" y="3327094"/>
+                        </a:cubicBezTo>
+                        <a:cubicBezTo>
+                          <a:pt x="1246129" y="3354680"/>
+                          <a:pt x="914605" y="3327108"/>
+                          <a:pt x="656579" y="3327094"/>
+                        </a:cubicBezTo>
+                        <a:cubicBezTo>
+                          <a:pt x="398553" y="3327080"/>
+                          <a:pt x="201442" y="3300578"/>
+                          <a:pt x="0" y="3327094"/>
+                        </a:cubicBezTo>
+                        <a:cubicBezTo>
+                          <a:pt x="-23866" y="3126469"/>
+                          <a:pt x="17100" y="2976613"/>
+                          <a:pt x="0" y="2661675"/>
+                        </a:cubicBezTo>
+                        <a:cubicBezTo>
+                          <a:pt x="-17100" y="2346737"/>
+                          <a:pt x="32693" y="2179439"/>
+                          <a:pt x="0" y="1996256"/>
+                        </a:cubicBezTo>
+                        <a:cubicBezTo>
+                          <a:pt x="-32693" y="1813073"/>
+                          <a:pt x="14344" y="1596195"/>
+                          <a:pt x="0" y="1364109"/>
+                        </a:cubicBezTo>
+                        <a:cubicBezTo>
+                          <a:pt x="-14344" y="1132023"/>
+                          <a:pt x="20324" y="987000"/>
+                          <a:pt x="0" y="665419"/>
+                        </a:cubicBezTo>
+                        <a:cubicBezTo>
+                          <a:pt x="-20324" y="343838"/>
+                          <a:pt x="2166" y="277514"/>
+                          <a:pt x="0" y="0"/>
+                        </a:cubicBezTo>
+                        <a:close/>
+                      </a:path>
+                      <a:path w="2735746" h="3327094" stroke="0" extrusionOk="0">
+                        <a:moveTo>
+                          <a:pt x="0" y="0"/>
+                        </a:moveTo>
+                        <a:cubicBezTo>
+                          <a:pt x="209894" y="16338"/>
+                          <a:pt x="375877" y="-31334"/>
+                          <a:pt x="629222" y="0"/>
+                        </a:cubicBezTo>
+                        <a:cubicBezTo>
+                          <a:pt x="882567" y="31334"/>
+                          <a:pt x="997255" y="-29736"/>
+                          <a:pt x="1258443" y="0"/>
+                        </a:cubicBezTo>
+                        <a:cubicBezTo>
+                          <a:pt x="1519631" y="29736"/>
+                          <a:pt x="1769008" y="-24969"/>
+                          <a:pt x="1942380" y="0"/>
+                        </a:cubicBezTo>
+                        <a:cubicBezTo>
+                          <a:pt x="2115752" y="24969"/>
+                          <a:pt x="2487652" y="32052"/>
+                          <a:pt x="2735746" y="0"/>
+                        </a:cubicBezTo>
+                        <a:cubicBezTo>
+                          <a:pt x="2742249" y="305953"/>
+                          <a:pt x="2766828" y="398936"/>
+                          <a:pt x="2735746" y="632148"/>
+                        </a:cubicBezTo>
+                        <a:cubicBezTo>
+                          <a:pt x="2704664" y="865360"/>
+                          <a:pt x="2744437" y="1024509"/>
+                          <a:pt x="2735746" y="1197754"/>
+                        </a:cubicBezTo>
+                        <a:cubicBezTo>
+                          <a:pt x="2727055" y="1370999"/>
+                          <a:pt x="2702703" y="1614653"/>
+                          <a:pt x="2735746" y="1929715"/>
+                        </a:cubicBezTo>
+                        <a:cubicBezTo>
+                          <a:pt x="2768789" y="2244777"/>
+                          <a:pt x="2718634" y="2431770"/>
+                          <a:pt x="2735746" y="2561862"/>
+                        </a:cubicBezTo>
+                        <a:cubicBezTo>
+                          <a:pt x="2752858" y="2691954"/>
+                          <a:pt x="2749195" y="3119464"/>
+                          <a:pt x="2735746" y="3327094"/>
+                        </a:cubicBezTo>
+                        <a:cubicBezTo>
+                          <a:pt x="2544692" y="3325165"/>
+                          <a:pt x="2329759" y="3349534"/>
+                          <a:pt x="2051810" y="3327094"/>
+                        </a:cubicBezTo>
+                        <a:cubicBezTo>
+                          <a:pt x="1773861" y="3304654"/>
+                          <a:pt x="1581371" y="3358098"/>
+                          <a:pt x="1313158" y="3327094"/>
+                        </a:cubicBezTo>
+                        <a:cubicBezTo>
+                          <a:pt x="1044945" y="3296090"/>
+                          <a:pt x="924777" y="3320346"/>
+                          <a:pt x="656579" y="3327094"/>
+                        </a:cubicBezTo>
+                        <a:cubicBezTo>
+                          <a:pt x="388381" y="3333842"/>
+                          <a:pt x="246803" y="3305418"/>
+                          <a:pt x="0" y="3327094"/>
+                        </a:cubicBezTo>
+                        <a:cubicBezTo>
+                          <a:pt x="-11422" y="3177284"/>
+                          <a:pt x="793" y="2976067"/>
+                          <a:pt x="0" y="2761488"/>
+                        </a:cubicBezTo>
+                        <a:cubicBezTo>
+                          <a:pt x="-793" y="2546909"/>
+                          <a:pt x="-18314" y="2257832"/>
+                          <a:pt x="0" y="2129340"/>
+                        </a:cubicBezTo>
+                        <a:cubicBezTo>
+                          <a:pt x="18314" y="2000848"/>
+                          <a:pt x="-10076" y="1682842"/>
+                          <a:pt x="0" y="1530463"/>
+                        </a:cubicBezTo>
+                        <a:cubicBezTo>
+                          <a:pt x="10076" y="1378084"/>
+                          <a:pt x="11899" y="1055191"/>
+                          <a:pt x="0" y="898315"/>
+                        </a:cubicBezTo>
+                        <a:cubicBezTo>
+                          <a:pt x="-11899" y="741439"/>
+                          <a:pt x="17286" y="397692"/>
+                          <a:pt x="0" y="0"/>
+                        </a:cubicBezTo>
+                        <a:close/>
+                      </a:path>
+                    </a:pathLst>
+                  </a:custGeom>
+                  <ask:type>
+                    <ask:lineSketchFreehand/>
+                  </ask:type>
+                </ask:lineSketchStyleProps>
+              </a:ext>
+            </a:extLst>
+          </a:ln>
+        </p:spPr>
+        <p:style>
+          <a:lnRef idx="2">
+            <a:schemeClr val="accent1">
+              <a:shade val="50000"/>
+            </a:schemeClr>
+          </a:lnRef>
+          <a:fillRef idx="1">
+            <a:schemeClr val="accent1"/>
+          </a:fillRef>
+          <a:effectRef idx="0">
+            <a:schemeClr val="accent1"/>
+          </a:effectRef>
+          <a:fontRef idx="minor">
+            <a:schemeClr val="lt1"/>
+          </a:fontRef>
+        </p:style>
+        <p:txBody>
+          <a:bodyPr rtlCol="0" anchor="ctr"/>
+          <a:lstStyle/>
+          <a:p>
+            <a:pPr algn="ctr"/>
+            <a:endParaRPr lang="en-US"/>
+          </a:p>
+        </p:txBody>
+      </p:sp>
+      <p:sp>
+        <p:nvSpPr>
+          <p:cNvPr id="11" name="sketch line">
+            <a:extLst>
+              <a:ext uri="{FF2B5EF4-FFF2-40B4-BE49-F238E27FC236}">
+                <a16:creationId xmlns:a16="http://schemas.microsoft.com/office/drawing/2014/main" id="{2A39B854-4B6C-4F7F-A602-6F97770CED70}"/>
+              </a:ext>
+              <a:ext uri="{C183D7F6-B498-43B3-948B-1728B52AA6E4}">
+                <adec:decorative xmlns:adec="http://schemas.microsoft.com/office/drawing/2017/decorative" val="1"/>
+              </a:ext>
+            </a:extLst>
+          </p:cNvPr>
+          <p:cNvSpPr>
+            <a:spLocks noGrp="1" noRot="1" noChangeAspect="1" noMove="1" noResize="1" noEditPoints="1" noAdjustHandles="1" noChangeArrowheads="1" noChangeShapeType="1" noTextEdit="1"/>
+          </p:cNvSpPr>
+          <p:nvPr>
+            <p:extLst>
+              <p:ext uri="{386F3935-93C4-4BCD-93E2-E3B085C9AB24}">
+                <p16:designElem xmlns:p16="http://schemas.microsoft.com/office/powerpoint/2015/main" val="1"/>
+              </p:ext>
+            </p:extLst>
+          </p:nvPr>
+        </p:nvSpPr>
+        <p:spPr>
+          <a:xfrm>
+            <a:off x="628649" y="4079983"/>
+            <a:ext cx="4711446" cy="13716"/>
+          </a:xfrm>
+          <a:custGeom>
+            <a:avLst/>
+            <a:gdLst>
+              <a:gd name="connsiteX0" fmla="*/ 0 w 4711446"/>
+              <a:gd name="connsiteY0" fmla="*/ 0 h 13716"/>
+              <a:gd name="connsiteX1" fmla="*/ 625949 w 4711446"/>
+              <a:gd name="connsiteY1" fmla="*/ 0 h 13716"/>
+              <a:gd name="connsiteX2" fmla="*/ 1157670 w 4711446"/>
+              <a:gd name="connsiteY2" fmla="*/ 0 h 13716"/>
+              <a:gd name="connsiteX3" fmla="*/ 1736504 w 4711446"/>
+              <a:gd name="connsiteY3" fmla="*/ 0 h 13716"/>
+              <a:gd name="connsiteX4" fmla="*/ 2456683 w 4711446"/>
+              <a:gd name="connsiteY4" fmla="*/ 0 h 13716"/>
+              <a:gd name="connsiteX5" fmla="*/ 3082632 w 4711446"/>
+              <a:gd name="connsiteY5" fmla="*/ 0 h 13716"/>
+              <a:gd name="connsiteX6" fmla="*/ 3661467 w 4711446"/>
+              <a:gd name="connsiteY6" fmla="*/ 0 h 13716"/>
+              <a:gd name="connsiteX7" fmla="*/ 4711446 w 4711446"/>
+              <a:gd name="connsiteY7" fmla="*/ 0 h 13716"/>
+              <a:gd name="connsiteX8" fmla="*/ 4711446 w 4711446"/>
+              <a:gd name="connsiteY8" fmla="*/ 13716 h 13716"/>
+              <a:gd name="connsiteX9" fmla="*/ 4038382 w 4711446"/>
+              <a:gd name="connsiteY9" fmla="*/ 13716 h 13716"/>
+              <a:gd name="connsiteX10" fmla="*/ 3459547 w 4711446"/>
+              <a:gd name="connsiteY10" fmla="*/ 13716 h 13716"/>
+              <a:gd name="connsiteX11" fmla="*/ 2692255 w 4711446"/>
+              <a:gd name="connsiteY11" fmla="*/ 13716 h 13716"/>
+              <a:gd name="connsiteX12" fmla="*/ 2066306 w 4711446"/>
+              <a:gd name="connsiteY12" fmla="*/ 13716 h 13716"/>
+              <a:gd name="connsiteX13" fmla="*/ 1534585 w 4711446"/>
+              <a:gd name="connsiteY13" fmla="*/ 13716 h 13716"/>
+              <a:gd name="connsiteX14" fmla="*/ 814407 w 4711446"/>
+              <a:gd name="connsiteY14" fmla="*/ 13716 h 13716"/>
+              <a:gd name="connsiteX15" fmla="*/ 0 w 4711446"/>
+              <a:gd name="connsiteY15" fmla="*/ 13716 h 13716"/>
+              <a:gd name="connsiteX16" fmla="*/ 0 w 4711446"/>
+              <a:gd name="connsiteY16" fmla="*/ 0 h 13716"/>
+              <a:gd name="connsiteX0" fmla="*/ 0 w 4711446"/>
+              <a:gd name="connsiteY0" fmla="*/ 0 h 13716"/>
+              <a:gd name="connsiteX1" fmla="*/ 625949 w 4711446"/>
+              <a:gd name="connsiteY1" fmla="*/ 0 h 13716"/>
+              <a:gd name="connsiteX2" fmla="*/ 1157670 w 4711446"/>
+              <a:gd name="connsiteY2" fmla="*/ 0 h 13716"/>
+              <a:gd name="connsiteX3" fmla="*/ 1924962 w 4711446"/>
+              <a:gd name="connsiteY3" fmla="*/ 0 h 13716"/>
+              <a:gd name="connsiteX4" fmla="*/ 2550911 w 4711446"/>
+              <a:gd name="connsiteY4" fmla="*/ 0 h 13716"/>
+              <a:gd name="connsiteX5" fmla="*/ 3176861 w 4711446"/>
+              <a:gd name="connsiteY5" fmla="*/ 0 h 13716"/>
+              <a:gd name="connsiteX6" fmla="*/ 3944153 w 4711446"/>
+              <a:gd name="connsiteY6" fmla="*/ 0 h 13716"/>
+              <a:gd name="connsiteX7" fmla="*/ 4711446 w 4711446"/>
+              <a:gd name="connsiteY7" fmla="*/ 0 h 13716"/>
+              <a:gd name="connsiteX8" fmla="*/ 4711446 w 4711446"/>
+              <a:gd name="connsiteY8" fmla="*/ 13716 h 13716"/>
+              <a:gd name="connsiteX9" fmla="*/ 4132611 w 4711446"/>
+              <a:gd name="connsiteY9" fmla="*/ 13716 h 13716"/>
+              <a:gd name="connsiteX10" fmla="*/ 3459547 w 4711446"/>
+              <a:gd name="connsiteY10" fmla="*/ 13716 h 13716"/>
+              <a:gd name="connsiteX11" fmla="*/ 2786484 w 4711446"/>
+              <a:gd name="connsiteY11" fmla="*/ 13716 h 13716"/>
+              <a:gd name="connsiteX12" fmla="*/ 2160535 w 4711446"/>
+              <a:gd name="connsiteY12" fmla="*/ 13716 h 13716"/>
+              <a:gd name="connsiteX13" fmla="*/ 1393242 w 4711446"/>
+              <a:gd name="connsiteY13" fmla="*/ 13716 h 13716"/>
+              <a:gd name="connsiteX14" fmla="*/ 625949 w 4711446"/>
+              <a:gd name="connsiteY14" fmla="*/ 13716 h 13716"/>
+              <a:gd name="connsiteX15" fmla="*/ 0 w 4711446"/>
+              <a:gd name="connsiteY15" fmla="*/ 13716 h 13716"/>
+              <a:gd name="connsiteX16" fmla="*/ 0 w 4711446"/>
+              <a:gd name="connsiteY16" fmla="*/ 0 h 13716"/>
+            </a:gdLst>
+            <a:ahLst/>
+            <a:cxnLst>
+              <a:cxn ang="0">
+                <a:pos x="connsiteX0" y="connsiteY0"/>
+              </a:cxn>
+              <a:cxn ang="0">
+                <a:pos x="connsiteX1" y="connsiteY1"/>
+              </a:cxn>
+              <a:cxn ang="0">
+                <a:pos x="connsiteX2" y="connsiteY2"/>
+              </a:cxn>
+              <a:cxn ang="0">
+                <a:pos x="connsiteX3" y="connsiteY3"/>
+              </a:cxn>
+              <a:cxn ang="0">
+                <a:pos x="connsiteX4" y="connsiteY4"/>
+              </a:cxn>
+              <a:cxn ang="0">
+                <a:pos x="connsiteX5" y="connsiteY5"/>
+              </a:cxn>
+              <a:cxn ang="0">
+                <a:pos x="connsiteX6" y="connsiteY6"/>
+              </a:cxn>
+              <a:cxn ang="0">
+                <a:pos x="connsiteX7" y="connsiteY7"/>
+              </a:cxn>
+              <a:cxn ang="0">
+                <a:pos x="connsiteX8" y="connsiteY8"/>
+              </a:cxn>
+              <a:cxn ang="0">
+                <a:pos x="connsiteX9" y="connsiteY9"/>
+              </a:cxn>
+              <a:cxn ang="0">
+                <a:pos x="connsiteX10" y="connsiteY10"/>
+              </a:cxn>
+              <a:cxn ang="0">
+                <a:pos x="connsiteX11" y="connsiteY11"/>
+              </a:cxn>
+              <a:cxn ang="0">
+                <a:pos x="connsiteX12" y="connsiteY12"/>
+              </a:cxn>
+              <a:cxn ang="0">
+                <a:pos x="connsiteX13" y="connsiteY13"/>
+              </a:cxn>
+              <a:cxn ang="0">
+                <a:pos x="connsiteX14" y="connsiteY14"/>
+              </a:cxn>
+              <a:cxn ang="0">
+                <a:pos x="connsiteX15" y="connsiteY15"/>
+              </a:cxn>
+              <a:cxn ang="0">
+                <a:pos x="connsiteX16" y="connsiteY16"/>
+              </a:cxn>
+            </a:cxnLst>
+            <a:rect l="l" t="t" r="r" b="b"/>
+            <a:pathLst>
+              <a:path w="4711446" h="13716" fill="none" extrusionOk="0">
+                <a:moveTo>
+                  <a:pt x="0" y="0"/>
+                </a:moveTo>
+                <a:cubicBezTo>
+                  <a:pt x="274812" y="21377"/>
+                  <a:pt x="437974" y="7558"/>
+                  <a:pt x="625949" y="0"/>
+                </a:cubicBezTo>
+                <a:cubicBezTo>
+                  <a:pt x="815915" y="-3058"/>
+                  <a:pt x="927155" y="3556"/>
+                  <a:pt x="1157670" y="0"/>
+                </a:cubicBezTo>
+                <a:cubicBezTo>
+                  <a:pt x="1372599" y="18446"/>
+                  <a:pt x="1498441" y="30400"/>
+                  <a:pt x="1736504" y="0"/>
+                </a:cubicBezTo>
+                <a:cubicBezTo>
+                  <a:pt x="1969944" y="-57262"/>
+                  <a:pt x="2082777" y="-16533"/>
+                  <a:pt x="2456683" y="0"/>
+                </a:cubicBezTo>
+                <a:cubicBezTo>
+                  <a:pt x="2802556" y="17778"/>
+                  <a:pt x="2897097" y="51398"/>
+                  <a:pt x="3082632" y="0"/>
+                </a:cubicBezTo>
+                <a:cubicBezTo>
+                  <a:pt x="3242727" y="7552"/>
+                  <a:pt x="3438149" y="6519"/>
+                  <a:pt x="3661467" y="0"/>
+                </a:cubicBezTo>
+                <a:cubicBezTo>
+                  <a:pt x="3932644" y="-2803"/>
+                  <a:pt x="4400746" y="-53122"/>
+                  <a:pt x="4711446" y="0"/>
+                </a:cubicBezTo>
+                <a:cubicBezTo>
+                  <a:pt x="4711528" y="3611"/>
+                  <a:pt x="4711396" y="9346"/>
+                  <a:pt x="4711446" y="13716"/>
+                </a:cubicBezTo>
+                <a:cubicBezTo>
+                  <a:pt x="4434498" y="32037"/>
+                  <a:pt x="4309938" y="-6456"/>
+                  <a:pt x="4038382" y="13716"/>
+                </a:cubicBezTo>
+                <a:cubicBezTo>
+                  <a:pt x="3771114" y="21961"/>
+                  <a:pt x="3718035" y="17676"/>
+                  <a:pt x="3459547" y="13716"/>
+                </a:cubicBezTo>
+                <a:cubicBezTo>
+                  <a:pt x="3185021" y="639"/>
+                  <a:pt x="2909027" y="-13584"/>
+                  <a:pt x="2692255" y="13716"/>
+                </a:cubicBezTo>
+                <a:cubicBezTo>
+                  <a:pt x="2475966" y="28417"/>
+                  <a:pt x="2231006" y="12343"/>
+                  <a:pt x="2066306" y="13716"/>
+                </a:cubicBezTo>
+                <a:cubicBezTo>
+                  <a:pt x="1932407" y="30131"/>
+                  <a:pt x="1774461" y="32489"/>
+                  <a:pt x="1534585" y="13716"/>
+                </a:cubicBezTo>
+                <a:cubicBezTo>
+                  <a:pt x="1310318" y="27635"/>
+                  <a:pt x="971529" y="-47374"/>
+                  <a:pt x="814407" y="13716"/>
+                </a:cubicBezTo>
+                <a:cubicBezTo>
+                  <a:pt x="656890" y="47554"/>
+                  <a:pt x="223125" y="38011"/>
+                  <a:pt x="0" y="13716"/>
+                </a:cubicBezTo>
+                <a:cubicBezTo>
+                  <a:pt x="-173" y="8371"/>
+                  <a:pt x="-387" y="6213"/>
+                  <a:pt x="0" y="0"/>
+                </a:cubicBezTo>
+                <a:close/>
+              </a:path>
+              <a:path w="4711446" h="13716" stroke="0" extrusionOk="0">
+                <a:moveTo>
+                  <a:pt x="0" y="0"/>
+                </a:moveTo>
+                <a:cubicBezTo>
+                  <a:pt x="234260" y="-20695"/>
+                  <a:pt x="309677" y="-29748"/>
+                  <a:pt x="625949" y="0"/>
+                </a:cubicBezTo>
+                <a:cubicBezTo>
+                  <a:pt x="922499" y="21024"/>
+                  <a:pt x="1065673" y="29280"/>
+                  <a:pt x="1157670" y="0"/>
+                </a:cubicBezTo>
+                <a:cubicBezTo>
+                  <a:pt x="1304036" y="-55105"/>
+                  <a:pt x="1714093" y="-71390"/>
+                  <a:pt x="1924962" y="0"/>
+                </a:cubicBezTo>
+                <a:cubicBezTo>
+                  <a:pt x="2094254" y="48795"/>
+                  <a:pt x="2301733" y="54462"/>
+                  <a:pt x="2550911" y="0"/>
+                </a:cubicBezTo>
+                <a:cubicBezTo>
+                  <a:pt x="2800186" y="-20100"/>
+                  <a:pt x="2879904" y="-31099"/>
+                  <a:pt x="3176861" y="0"/>
+                </a:cubicBezTo>
+                <a:cubicBezTo>
+                  <a:pt x="3499358" y="47355"/>
+                  <a:pt x="3612601" y="-6560"/>
+                  <a:pt x="3944153" y="0"/>
+                </a:cubicBezTo>
+                <a:cubicBezTo>
+                  <a:pt x="4277331" y="13831"/>
+                  <a:pt x="4345895" y="23404"/>
+                  <a:pt x="4711446" y="0"/>
+                </a:cubicBezTo>
+                <a:cubicBezTo>
+                  <a:pt x="4711283" y="3458"/>
+                  <a:pt x="4712269" y="8632"/>
+                  <a:pt x="4711446" y="13716"/>
+                </a:cubicBezTo>
+                <a:cubicBezTo>
+                  <a:pt x="4522851" y="23340"/>
+                  <a:pt x="4368130" y="32206"/>
+                  <a:pt x="4132611" y="13716"/>
+                </a:cubicBezTo>
+                <a:cubicBezTo>
+                  <a:pt x="3904206" y="-13729"/>
+                  <a:pt x="3805966" y="-12722"/>
+                  <a:pt x="3459547" y="13716"/>
+                </a:cubicBezTo>
+                <a:cubicBezTo>
+                  <a:pt x="3126997" y="26703"/>
+                  <a:pt x="3004364" y="-29074"/>
+                  <a:pt x="2786484" y="13716"/>
+                </a:cubicBezTo>
+                <a:cubicBezTo>
+                  <a:pt x="2565964" y="74302"/>
+                  <a:pt x="2419091" y="7105"/>
+                  <a:pt x="2160535" y="13716"/>
+                </a:cubicBezTo>
+                <a:cubicBezTo>
+                  <a:pt x="1908180" y="23806"/>
+                  <a:pt x="1654282" y="-5760"/>
+                  <a:pt x="1393242" y="13716"/>
+                </a:cubicBezTo>
+                <a:cubicBezTo>
+                  <a:pt x="1073937" y="52263"/>
+                  <a:pt x="886793" y="4611"/>
+                  <a:pt x="625949" y="13716"/>
+                </a:cubicBezTo>
+                <a:cubicBezTo>
+                  <a:pt x="359206" y="-5152"/>
+                  <a:pt x="250220" y="28262"/>
+                  <a:pt x="0" y="13716"/>
+                </a:cubicBezTo>
+                <a:cubicBezTo>
+                  <a:pt x="-740" y="8467"/>
+                  <a:pt x="-279" y="4434"/>
+                  <a:pt x="0" y="0"/>
+                </a:cubicBezTo>
+                <a:close/>
+              </a:path>
+              <a:path w="4711446" h="13716" fill="none" stroke="0" extrusionOk="0">
+                <a:moveTo>
+                  <a:pt x="0" y="0"/>
+                </a:moveTo>
+                <a:cubicBezTo>
+                  <a:pt x="264657" y="-13769"/>
+                  <a:pt x="414946" y="17880"/>
+                  <a:pt x="625949" y="0"/>
+                </a:cubicBezTo>
+                <a:cubicBezTo>
+                  <a:pt x="824579" y="-11507"/>
+                  <a:pt x="948820" y="2308"/>
+                  <a:pt x="1157670" y="0"/>
+                </a:cubicBezTo>
+                <a:cubicBezTo>
+                  <a:pt x="1343990" y="15600"/>
+                  <a:pt x="1507622" y="30991"/>
+                  <a:pt x="1736504" y="0"/>
+                </a:cubicBezTo>
+                <a:cubicBezTo>
+                  <a:pt x="1935067" y="-40980"/>
+                  <a:pt x="2142561" y="-1259"/>
+                  <a:pt x="2456683" y="0"/>
+                </a:cubicBezTo>
+                <a:cubicBezTo>
+                  <a:pt x="2824226" y="17735"/>
+                  <a:pt x="2912320" y="12583"/>
+                  <a:pt x="3082632" y="0"/>
+                </a:cubicBezTo>
+                <a:cubicBezTo>
+                  <a:pt x="3225335" y="-33250"/>
+                  <a:pt x="3420171" y="48687"/>
+                  <a:pt x="3661467" y="0"/>
+                </a:cubicBezTo>
+                <a:cubicBezTo>
+                  <a:pt x="3869520" y="-60742"/>
+                  <a:pt x="4393152" y="27392"/>
+                  <a:pt x="4711446" y="0"/>
+                </a:cubicBezTo>
+                <a:cubicBezTo>
+                  <a:pt x="4711432" y="3532"/>
+                  <a:pt x="4712657" y="9530"/>
+                  <a:pt x="4711446" y="13716"/>
+                </a:cubicBezTo>
+                <a:cubicBezTo>
+                  <a:pt x="4435166" y="8514"/>
+                  <a:pt x="4328961" y="14306"/>
+                  <a:pt x="4038382" y="13716"/>
+                </a:cubicBezTo>
+                <a:cubicBezTo>
+                  <a:pt x="3765582" y="28329"/>
+                  <a:pt x="3717048" y="24397"/>
+                  <a:pt x="3459547" y="13716"/>
+                </a:cubicBezTo>
+                <a:cubicBezTo>
+                  <a:pt x="3205966" y="12725"/>
+                  <a:pt x="2904652" y="45477"/>
+                  <a:pt x="2692255" y="13716"/>
+                </a:cubicBezTo>
+                <a:cubicBezTo>
+                  <a:pt x="2519294" y="-487"/>
+                  <a:pt x="2226456" y="-20186"/>
+                  <a:pt x="2066306" y="13716"/>
+                </a:cubicBezTo>
+                <a:cubicBezTo>
+                  <a:pt x="1898511" y="36503"/>
+                  <a:pt x="1763730" y="-5953"/>
+                  <a:pt x="1534585" y="13716"/>
+                </a:cubicBezTo>
+                <a:cubicBezTo>
+                  <a:pt x="1264446" y="19498"/>
+                  <a:pt x="962403" y="-55667"/>
+                  <a:pt x="814407" y="13716"/>
+                </a:cubicBezTo>
+                <a:cubicBezTo>
+                  <a:pt x="650002" y="31686"/>
+                  <a:pt x="155279" y="32915"/>
+                  <a:pt x="0" y="13716"/>
+                </a:cubicBezTo>
+                <a:cubicBezTo>
+                  <a:pt x="-561" y="8546"/>
+                  <a:pt x="-377" y="6141"/>
+                  <a:pt x="0" y="0"/>
+                </a:cubicBezTo>
+                <a:close/>
+              </a:path>
+            </a:pathLst>
+          </a:custGeom>
+          <a:solidFill>
+            <a:schemeClr val="accent2"/>
+          </a:solidFill>
+          <a:ln w="41275" cap="rnd">
+            <a:solidFill>
+              <a:schemeClr val="accent2"/>
+            </a:solidFill>
+            <a:round/>
+            <a:extLst>
+              <a:ext uri="{C807C97D-BFC1-408E-A445-0C87EB9F89A2}">
+                <ask:lineSketchStyleProps xmlns:ask="http://schemas.microsoft.com/office/drawing/2018/sketchyshapes" sd="1219033472">
+                  <a:custGeom>
+                    <a:avLst/>
+                    <a:gdLst>
+                      <a:gd name="connsiteX0" fmla="*/ 0 w 4711446"/>
+                      <a:gd name="connsiteY0" fmla="*/ 0 h 13716"/>
+                      <a:gd name="connsiteX1" fmla="*/ 625949 w 4711446"/>
+                      <a:gd name="connsiteY1" fmla="*/ 0 h 13716"/>
+                      <a:gd name="connsiteX2" fmla="*/ 1157670 w 4711446"/>
+                      <a:gd name="connsiteY2" fmla="*/ 0 h 13716"/>
+                      <a:gd name="connsiteX3" fmla="*/ 1736504 w 4711446"/>
+                      <a:gd name="connsiteY3" fmla="*/ 0 h 13716"/>
+                      <a:gd name="connsiteX4" fmla="*/ 2456683 w 4711446"/>
+                      <a:gd name="connsiteY4" fmla="*/ 0 h 13716"/>
+                      <a:gd name="connsiteX5" fmla="*/ 3082632 w 4711446"/>
+                      <a:gd name="connsiteY5" fmla="*/ 0 h 13716"/>
+                      <a:gd name="connsiteX6" fmla="*/ 3661467 w 4711446"/>
+                      <a:gd name="connsiteY6" fmla="*/ 0 h 13716"/>
+                      <a:gd name="connsiteX7" fmla="*/ 4711446 w 4711446"/>
+                      <a:gd name="connsiteY7" fmla="*/ 0 h 13716"/>
+                      <a:gd name="connsiteX8" fmla="*/ 4711446 w 4711446"/>
+                      <a:gd name="connsiteY8" fmla="*/ 13716 h 13716"/>
+                      <a:gd name="connsiteX9" fmla="*/ 4038382 w 4711446"/>
+                      <a:gd name="connsiteY9" fmla="*/ 13716 h 13716"/>
+                      <a:gd name="connsiteX10" fmla="*/ 3459547 w 4711446"/>
+                      <a:gd name="connsiteY10" fmla="*/ 13716 h 13716"/>
+                      <a:gd name="connsiteX11" fmla="*/ 2692255 w 4711446"/>
+                      <a:gd name="connsiteY11" fmla="*/ 13716 h 13716"/>
+                      <a:gd name="connsiteX12" fmla="*/ 2066306 w 4711446"/>
+                      <a:gd name="connsiteY12" fmla="*/ 13716 h 13716"/>
+                      <a:gd name="connsiteX13" fmla="*/ 1534585 w 4711446"/>
+                      <a:gd name="connsiteY13" fmla="*/ 13716 h 13716"/>
+                      <a:gd name="connsiteX14" fmla="*/ 814407 w 4711446"/>
+                      <a:gd name="connsiteY14" fmla="*/ 13716 h 13716"/>
+                      <a:gd name="connsiteX15" fmla="*/ 0 w 4711446"/>
+                      <a:gd name="connsiteY15" fmla="*/ 13716 h 13716"/>
+                      <a:gd name="connsiteX16" fmla="*/ 0 w 4711446"/>
+                      <a:gd name="connsiteY16" fmla="*/ 0 h 13716"/>
+                    </a:gdLst>
+                    <a:ahLst/>
+                    <a:cxnLst>
+                      <a:cxn ang="0">
+                        <a:pos x="connsiteX0" y="connsiteY0"/>
+                      </a:cxn>
+                      <a:cxn ang="0">
+                        <a:pos x="connsiteX1" y="connsiteY1"/>
+                      </a:cxn>
+                      <a:cxn ang="0">
+                        <a:pos x="connsiteX2" y="connsiteY2"/>
+                      </a:cxn>
+                      <a:cxn ang="0">
+                        <a:pos x="connsiteX3" y="connsiteY3"/>
+                      </a:cxn>
+                      <a:cxn ang="0">
+                        <a:pos x="connsiteX4" y="connsiteY4"/>
+                      </a:cxn>
+                      <a:cxn ang="0">
+                        <a:pos x="connsiteX5" y="connsiteY5"/>
+                      </a:cxn>
+                      <a:cxn ang="0">
+                        <a:pos x="connsiteX6" y="connsiteY6"/>
+                      </a:cxn>
+                      <a:cxn ang="0">
+                        <a:pos x="connsiteX7" y="connsiteY7"/>
+                      </a:cxn>
+                      <a:cxn ang="0">
+                        <a:pos x="connsiteX8" y="connsiteY8"/>
+                      </a:cxn>
+                      <a:cxn ang="0">
+                        <a:pos x="connsiteX9" y="connsiteY9"/>
+                      </a:cxn>
+                      <a:cxn ang="0">
+                        <a:pos x="connsiteX10" y="connsiteY10"/>
+                      </a:cxn>
+                      <a:cxn ang="0">
+                        <a:pos x="connsiteX11" y="connsiteY11"/>
+                      </a:cxn>
+                      <a:cxn ang="0">
+                        <a:pos x="connsiteX12" y="connsiteY12"/>
+                      </a:cxn>
+                      <a:cxn ang="0">
+                        <a:pos x="connsiteX13" y="connsiteY13"/>
+                      </a:cxn>
+                      <a:cxn ang="0">
+                        <a:pos x="connsiteX14" y="connsiteY14"/>
+                      </a:cxn>
+                      <a:cxn ang="0">
+                        <a:pos x="connsiteX15" y="connsiteY15"/>
+                      </a:cxn>
+                      <a:cxn ang="0">
+                        <a:pos x="connsiteX16" y="connsiteY16"/>
+                      </a:cxn>
+                    </a:cxnLst>
+                    <a:rect l="l" t="t" r="r" b="b"/>
+                    <a:pathLst>
+                      <a:path w="4711446" h="13716" fill="none" extrusionOk="0">
+                        <a:moveTo>
+                          <a:pt x="0" y="0"/>
+                        </a:moveTo>
+                        <a:cubicBezTo>
+                          <a:pt x="275996" y="-6775"/>
+                          <a:pt x="430270" y="12128"/>
+                          <a:pt x="625949" y="0"/>
+                        </a:cubicBezTo>
+                        <a:cubicBezTo>
+                          <a:pt x="821628" y="-12128"/>
+                          <a:pt x="953153" y="2170"/>
+                          <a:pt x="1157670" y="0"/>
+                        </a:cubicBezTo>
+                        <a:cubicBezTo>
+                          <a:pt x="1362187" y="-2170"/>
+                          <a:pt x="1508708" y="24986"/>
+                          <a:pt x="1736504" y="0"/>
+                        </a:cubicBezTo>
+                        <a:cubicBezTo>
+                          <a:pt x="1964300" y="-24986"/>
+                          <a:pt x="2114331" y="-14747"/>
+                          <a:pt x="2456683" y="0"/>
+                        </a:cubicBezTo>
+                        <a:cubicBezTo>
+                          <a:pt x="2799035" y="14747"/>
+                          <a:pt x="2904885" y="27883"/>
+                          <a:pt x="3082632" y="0"/>
+                        </a:cubicBezTo>
+                        <a:cubicBezTo>
+                          <a:pt x="3260379" y="-27883"/>
+                          <a:pt x="3449277" y="21284"/>
+                          <a:pt x="3661467" y="0"/>
+                        </a:cubicBezTo>
+                        <a:cubicBezTo>
+                          <a:pt x="3873658" y="-21284"/>
+                          <a:pt x="4403906" y="12447"/>
+                          <a:pt x="4711446" y="0"/>
+                        </a:cubicBezTo>
+                        <a:cubicBezTo>
+                          <a:pt x="4711159" y="3379"/>
+                          <a:pt x="4711654" y="9289"/>
+                          <a:pt x="4711446" y="13716"/>
+                        </a:cubicBezTo>
+                        <a:cubicBezTo>
+                          <a:pt x="4441704" y="9571"/>
+                          <a:pt x="4312170" y="574"/>
+                          <a:pt x="4038382" y="13716"/>
+                        </a:cubicBezTo>
+                        <a:cubicBezTo>
+                          <a:pt x="3764594" y="26858"/>
+                          <a:pt x="3716634" y="20108"/>
+                          <a:pt x="3459547" y="13716"/>
+                        </a:cubicBezTo>
+                        <a:cubicBezTo>
+                          <a:pt x="3202460" y="7324"/>
+                          <a:pt x="2879854" y="15102"/>
+                          <a:pt x="2692255" y="13716"/>
+                        </a:cubicBezTo>
+                        <a:cubicBezTo>
+                          <a:pt x="2504656" y="12330"/>
+                          <a:pt x="2223731" y="-7368"/>
+                          <a:pt x="2066306" y="13716"/>
+                        </a:cubicBezTo>
+                        <a:cubicBezTo>
+                          <a:pt x="1908881" y="34800"/>
+                          <a:pt x="1781464" y="6283"/>
+                          <a:pt x="1534585" y="13716"/>
+                        </a:cubicBezTo>
+                        <a:cubicBezTo>
+                          <a:pt x="1287706" y="21149"/>
+                          <a:pt x="979966" y="-19866"/>
+                          <a:pt x="814407" y="13716"/>
+                        </a:cubicBezTo>
+                        <a:cubicBezTo>
+                          <a:pt x="648848" y="47298"/>
+                          <a:pt x="195527" y="9414"/>
+                          <a:pt x="0" y="13716"/>
+                        </a:cubicBezTo>
+                        <a:cubicBezTo>
+                          <a:pt x="-362" y="8190"/>
+                          <a:pt x="-434" y="6098"/>
+                          <a:pt x="0" y="0"/>
+                        </a:cubicBezTo>
+                        <a:close/>
+                      </a:path>
+                      <a:path w="4711446" h="13716" stroke="0" extrusionOk="0">
+                        <a:moveTo>
+                          <a:pt x="0" y="0"/>
+                        </a:moveTo>
+                        <a:cubicBezTo>
+                          <a:pt x="225644" y="-29218"/>
+                          <a:pt x="321824" y="-13505"/>
+                          <a:pt x="625949" y="0"/>
+                        </a:cubicBezTo>
+                        <a:cubicBezTo>
+                          <a:pt x="930074" y="13505"/>
+                          <a:pt x="1040728" y="23682"/>
+                          <a:pt x="1157670" y="0"/>
+                        </a:cubicBezTo>
+                        <a:cubicBezTo>
+                          <a:pt x="1274612" y="-23682"/>
+                          <a:pt x="1732715" y="-38127"/>
+                          <a:pt x="1924962" y="0"/>
+                        </a:cubicBezTo>
+                        <a:cubicBezTo>
+                          <a:pt x="2117209" y="38127"/>
+                          <a:pt x="2299261" y="17383"/>
+                          <a:pt x="2550911" y="0"/>
+                        </a:cubicBezTo>
+                        <a:cubicBezTo>
+                          <a:pt x="2802561" y="-17383"/>
+                          <a:pt x="2873352" y="-24010"/>
+                          <a:pt x="3176861" y="0"/>
+                        </a:cubicBezTo>
+                        <a:cubicBezTo>
+                          <a:pt x="3480370" y="24010"/>
+                          <a:pt x="3597961" y="-9070"/>
+                          <a:pt x="3944153" y="0"/>
+                        </a:cubicBezTo>
+                        <a:cubicBezTo>
+                          <a:pt x="4290345" y="9070"/>
+                          <a:pt x="4345995" y="26854"/>
+                          <a:pt x="4711446" y="0"/>
+                        </a:cubicBezTo>
+                        <a:cubicBezTo>
+                          <a:pt x="4711246" y="3832"/>
+                          <a:pt x="4712038" y="9314"/>
+                          <a:pt x="4711446" y="13716"/>
+                        </a:cubicBezTo>
+                        <a:cubicBezTo>
+                          <a:pt x="4574282" y="19325"/>
+                          <a:pt x="4363770" y="38994"/>
+                          <a:pt x="4132611" y="13716"/>
+                        </a:cubicBezTo>
+                        <a:cubicBezTo>
+                          <a:pt x="3901452" y="-11562"/>
+                          <a:pt x="3795359" y="-11899"/>
+                          <a:pt x="3459547" y="13716"/>
+                        </a:cubicBezTo>
+                        <a:cubicBezTo>
+                          <a:pt x="3123735" y="39331"/>
+                          <a:pt x="3000502" y="-14570"/>
+                          <a:pt x="2786484" y="13716"/>
+                        </a:cubicBezTo>
+                        <a:cubicBezTo>
+                          <a:pt x="2572466" y="42002"/>
+                          <a:pt x="2424773" y="13194"/>
+                          <a:pt x="2160535" y="13716"/>
+                        </a:cubicBezTo>
+                        <a:cubicBezTo>
+                          <a:pt x="1896297" y="14238"/>
+                          <a:pt x="1673486" y="-11129"/>
+                          <a:pt x="1393242" y="13716"/>
+                        </a:cubicBezTo>
+                        <a:cubicBezTo>
+                          <a:pt x="1112998" y="38561"/>
+                          <a:pt x="887393" y="34550"/>
+                          <a:pt x="625949" y="13716"/>
+                        </a:cubicBezTo>
+                        <a:cubicBezTo>
+                          <a:pt x="364505" y="-7118"/>
+                          <a:pt x="251092" y="15069"/>
+                          <a:pt x="0" y="13716"/>
+                        </a:cubicBezTo>
+                        <a:cubicBezTo>
+                          <a:pt x="-475" y="8699"/>
+                          <a:pt x="-565" y="4408"/>
+                          <a:pt x="0" y="0"/>
+                        </a:cubicBezTo>
+                        <a:close/>
+                      </a:path>
+                    </a:pathLst>
+                  </a:custGeom>
+                  <ask:type>
+                    <ask:lineSketchFreehand/>
+                  </ask:type>
+                </ask:lineSketchStyleProps>
+              </a:ext>
+            </a:extLst>
+          </a:ln>
+        </p:spPr>
+        <p:style>
+          <a:lnRef idx="2">
+            <a:schemeClr val="accent1">
+              <a:shade val="50000"/>
+            </a:schemeClr>
+          </a:lnRef>
+          <a:fillRef idx="1">
+            <a:schemeClr val="accent1"/>
+          </a:fillRef>
+          <a:effectRef idx="0">
+            <a:schemeClr val="accent1"/>
+          </a:effectRef>
+          <a:fontRef idx="minor">
+            <a:schemeClr val="lt1"/>
+          </a:fontRef>
+        </p:style>
+        <p:txBody>
+          <a:bodyPr rtlCol="0" anchor="ctr"/>
+          <a:lstStyle/>
+          <a:p>
+            <a:pPr algn="ctr"/>
+            <a:endParaRPr lang="en-US"/>
+          </a:p>
+        </p:txBody>
+      </p:sp>
+    </p:spTree>
+    <p:extLst>
+      <p:ext uri="{BB962C8B-B14F-4D97-AF65-F5344CB8AC3E}">
+        <p14:creationId xmlns:p14="http://schemas.microsoft.com/office/powerpoint/2010/main" val="396604582"/>
+      </p:ext>
+    </p:extLst>
+  </p:cSld>
+  <p:clrMapOvr>
+    <a:masterClrMapping/>
+  </p:clrMapOvr>
+</p:sld>
+</file>
+
+<file path=ppt/slides/slide2.xml><?xml version="1.0" encoding="utf-8"?>
+<p:sld xmlns:a="http://schemas.openxmlformats.org/drawingml/2006/main" xmlns:r="http://schemas.openxmlformats.org/officeDocument/2006/relationships" xmlns:p="http://schemas.openxmlformats.org/presentationml/2006/main">
+  <p:cSld>
+    <p:bg>
+      <p:bgPr>
+        <a:solidFill>
+          <a:schemeClr val="bg1"/>
+        </a:solidFill>
+        <a:effectLst/>
+      </p:bgPr>
+    </p:bg>
+    <p:spTree>
+      <p:nvGrpSpPr>
         <p:cNvPr id="1" name="Shape 53"/>
         <p:cNvGrpSpPr/>
         <p:nvPr/>
@@ -5066,7 +6731,201 @@
 </p:sld>
 </file>
 
-<file path=ppt/slides/slide2.xml><?xml version="1.0" encoding="utf-8"?>
+<file path=ppt/slides/slide3.xml><?xml version="1.0" encoding="utf-8"?>
+<p:sld xmlns:a="http://schemas.openxmlformats.org/drawingml/2006/main" xmlns:r="http://schemas.openxmlformats.org/officeDocument/2006/relationships" xmlns:p="http://schemas.openxmlformats.org/presentationml/2006/main">
+  <p:cSld>
+    <p:bg>
+      <p:bgPr>
+        <a:solidFill>
+          <a:schemeClr val="bg1"/>
+        </a:solidFill>
+        <a:effectLst/>
+      </p:bgPr>
+    </p:bg>
+    <p:spTree>
+      <p:nvGrpSpPr>
+        <p:cNvPr id="1" name=""/>
+        <p:cNvGrpSpPr/>
+        <p:nvPr/>
+      </p:nvGrpSpPr>
+      <p:grpSpPr>
+        <a:xfrm>
+          <a:off x="0" y="0"/>
+          <a:ext cx="0" cy="0"/>
+          <a:chOff x="0" y="0"/>
+          <a:chExt cx="0" cy="0"/>
+        </a:xfrm>
+      </p:grpSpPr>
+      <p:sp>
+        <p:nvSpPr>
+          <p:cNvPr id="1031" name="Rectangle 1030">
+            <a:extLst>
+              <a:ext uri="{FF2B5EF4-FFF2-40B4-BE49-F238E27FC236}">
+                <a16:creationId xmlns:a16="http://schemas.microsoft.com/office/drawing/2014/main" id="{A4AC5506-6312-4701-8D3C-40187889A947}"/>
+              </a:ext>
+              <a:ext uri="{C183D7F6-B498-43B3-948B-1728B52AA6E4}">
+                <adec:decorative xmlns:adec="http://schemas.microsoft.com/office/drawing/2017/decorative" val="1"/>
+              </a:ext>
+            </a:extLst>
+          </p:cNvPr>
+          <p:cNvSpPr>
+            <a:spLocks noGrp="1" noRot="1" noChangeAspect="1" noMove="1" noResize="1" noEditPoints="1" noAdjustHandles="1" noChangeArrowheads="1" noChangeShapeType="1" noTextEdit="1"/>
+          </p:cNvSpPr>
+          <p:nvPr>
+            <p:extLst>
+              <p:ext uri="{386F3935-93C4-4BCD-93E2-E3B085C9AB24}">
+                <p16:designElem xmlns:p16="http://schemas.microsoft.com/office/powerpoint/2015/main" val="1"/>
+              </p:ext>
+            </p:extLst>
+          </p:nvPr>
+        </p:nvSpPr>
+        <p:spPr>
+          <a:xfrm>
+            <a:off x="0" y="488814"/>
+            <a:ext cx="9144000" cy="552413"/>
+          </a:xfrm>
+          <a:prstGeom prst="rect">
+            <a:avLst/>
+          </a:prstGeom>
+          <a:solidFill>
+            <a:schemeClr val="tx1"/>
+          </a:solidFill>
+          <a:ln>
+            <a:noFill/>
+          </a:ln>
+        </p:spPr>
+        <p:style>
+          <a:lnRef idx="2">
+            <a:schemeClr val="accent1">
+              <a:shade val="50000"/>
+            </a:schemeClr>
+          </a:lnRef>
+          <a:fillRef idx="1">
+            <a:schemeClr val="accent1"/>
+          </a:fillRef>
+          <a:effectRef idx="0">
+            <a:schemeClr val="accent1"/>
+          </a:effectRef>
+          <a:fontRef idx="minor">
+            <a:schemeClr val="lt1"/>
+          </a:fontRef>
+        </p:style>
+        <p:txBody>
+          <a:bodyPr rtlCol="0" anchor="ctr"/>
+          <a:lstStyle/>
+          <a:p>
+            <a:pPr algn="ctr"/>
+            <a:endParaRPr lang="en-US"/>
+          </a:p>
+        </p:txBody>
+      </p:sp>
+      <p:sp>
+        <p:nvSpPr>
+          <p:cNvPr id="2" name="Title 1">
+            <a:extLst>
+              <a:ext uri="{FF2B5EF4-FFF2-40B4-BE49-F238E27FC236}">
+                <a16:creationId xmlns:a16="http://schemas.microsoft.com/office/drawing/2014/main" id="{2AA31889-69B4-3463-EB73-9A8C8FEBB5A1}"/>
+              </a:ext>
+            </a:extLst>
+          </p:cNvPr>
+          <p:cNvSpPr>
+            <a:spLocks noGrp="1"/>
+          </p:cNvSpPr>
+          <p:nvPr>
+            <p:ph type="title"/>
+          </p:nvPr>
+        </p:nvSpPr>
+        <p:spPr>
+          <a:xfrm>
+            <a:off x="417399" y="482600"/>
+            <a:ext cx="8408193" cy="558627"/>
+          </a:xfrm>
+        </p:spPr>
+        <p:txBody>
+          <a:bodyPr vert="horz" lIns="91440" tIns="45720" rIns="91440" bIns="45720" rtlCol="0" anchor="ctr">
+            <a:normAutofit/>
+          </a:bodyPr>
+          <a:lstStyle/>
+          <a:p>
+            <a:pPr algn="ctr" defTabSz="914400">
+              <a:spcBef>
+                <a:spcPct val="0"/>
+              </a:spcBef>
+            </a:pPr>
+            <a:r>
+              <a:rPr lang="en-US" sz="2400" kern="1200">
+                <a:solidFill>
+                  <a:schemeClr val="bg1"/>
+                </a:solidFill>
+                <a:latin typeface="+mj-lt"/>
+                <a:ea typeface="+mj-ea"/>
+                <a:cs typeface="+mj-cs"/>
+              </a:rPr>
+              <a:t>Grafana view example</a:t>
+            </a:r>
+          </a:p>
+        </p:txBody>
+      </p:sp>
+      <p:pic>
+        <p:nvPicPr>
+          <p:cNvPr id="1026" name="Picture 2" descr="Grafana | Query, visualize, alerting observability platform">
+            <a:extLst>
+              <a:ext uri="{FF2B5EF4-FFF2-40B4-BE49-F238E27FC236}">
+                <a16:creationId xmlns:a16="http://schemas.microsoft.com/office/drawing/2014/main" id="{2B5A4C8D-E643-55C6-E892-02678AEA4744}"/>
+              </a:ext>
+            </a:extLst>
+          </p:cNvPr>
+          <p:cNvPicPr>
+            <a:picLocks noChangeAspect="1" noChangeArrowheads="1"/>
+          </p:cNvPicPr>
+          <p:nvPr/>
+        </p:nvPicPr>
+        <p:blipFill>
+          <a:blip r:embed="rId2">
+            <a:extLst>
+              <a:ext uri="{28A0092B-C50C-407E-A947-70E740481C1C}">
+                <a14:useLocalDpi xmlns:a14="http://schemas.microsoft.com/office/drawing/2010/main" val="0"/>
+              </a:ext>
+            </a:extLst>
+          </a:blip>
+          <a:stretch>
+            <a:fillRect/>
+          </a:stretch>
+        </p:blipFill>
+        <p:spPr bwMode="auto">
+          <a:xfrm>
+            <a:off x="1629455" y="1256420"/>
+            <a:ext cx="5885088" cy="3295649"/>
+          </a:xfrm>
+          <a:prstGeom prst="rect">
+            <a:avLst/>
+          </a:prstGeom>
+          <a:noFill/>
+          <a:extLst>
+            <a:ext uri="{909E8E84-426E-40DD-AFC4-6F175D3DCCD1}">
+              <a14:hiddenFill xmlns:a14="http://schemas.microsoft.com/office/drawing/2010/main">
+                <a:solidFill>
+                  <a:srgbClr val="FFFFFF"/>
+                </a:solidFill>
+              </a14:hiddenFill>
+            </a:ext>
+          </a:extLst>
+        </p:spPr>
+      </p:pic>
+    </p:spTree>
+    <p:extLst>
+      <p:ext uri="{BB962C8B-B14F-4D97-AF65-F5344CB8AC3E}">
+        <p14:creationId xmlns:p14="http://schemas.microsoft.com/office/powerpoint/2010/main" val="3891077647"/>
+      </p:ext>
+    </p:extLst>
+  </p:cSld>
+  <p:clrMapOvr>
+    <a:masterClrMapping/>
+  </p:clrMapOvr>
+</p:sld>
+</file>
+
+<file path=ppt/slides/slide4.xml><?xml version="1.0" encoding="utf-8"?>
 <p:sld xmlns:a="http://schemas.openxmlformats.org/drawingml/2006/main" xmlns:r="http://schemas.openxmlformats.org/officeDocument/2006/relationships" xmlns:p="http://schemas.openxmlformats.org/presentationml/2006/main">
   <p:cSld>
     <p:bg>
